--- a/보고서/12주차/12주차 보고서_3code.pptx
+++ b/보고서/12주차/12주차 보고서_3code.pptx
@@ -5,7 +5,7 @@
     <p:sldMasterId id="2147483662" r:id="rId1"/>
   </p:sldMasterIdLst>
   <p:notesMasterIdLst>
-    <p:notesMasterId r:id="rId37"/>
+    <p:notesMasterId r:id="rId38"/>
   </p:notesMasterIdLst>
   <p:sldIdLst>
     <p:sldId id="280" r:id="rId2"/>
@@ -41,8 +41,9 @@
     <p:sldId id="294" r:id="rId32"/>
     <p:sldId id="287" r:id="rId33"/>
     <p:sldId id="288" r:id="rId34"/>
-    <p:sldId id="297" r:id="rId35"/>
-    <p:sldId id="296" r:id="rId36"/>
+    <p:sldId id="298" r:id="rId35"/>
+    <p:sldId id="297" r:id="rId36"/>
+    <p:sldId id="296" r:id="rId37"/>
   </p:sldIdLst>
   <p:sldSz cx="12192000" cy="6858000"/>
   <p:notesSz cx="6858000" cy="9144000"/>
@@ -12113,7 +12114,7 @@
         <p:spPr>
           <a:xfrm>
             <a:off x="1054673" y="3679875"/>
-            <a:ext cx="6017335" cy="1477328"/>
+            <a:ext cx="6017335" cy="1754326"/>
           </a:xfrm>
           <a:prstGeom prst="rect">
             <a:avLst/>
@@ -12226,6 +12227,28 @@
                 <a:ea typeface="나눔스퀘어" panose="020B0600000101010101" pitchFamily="50" charset="-127"/>
               </a:rPr>
               <a:t>로고 제작</a:t>
+            </a:r>
+            <a:endParaRPr lang="en-US" altLang="ko-KR" dirty="0">
+              <a:solidFill>
+                <a:srgbClr val="7030A0"/>
+              </a:solidFill>
+              <a:latin typeface="나눔스퀘어" panose="020B0600000101010101" pitchFamily="50" charset="-127"/>
+              <a:ea typeface="나눔스퀘어" panose="020B0600000101010101" pitchFamily="50" charset="-127"/>
+            </a:endParaRPr>
+          </a:p>
+          <a:p>
+            <a:pPr marL="342900" indent="-342900">
+              <a:buAutoNum type="arabicPeriod"/>
+            </a:pPr>
+            <a:r>
+              <a:rPr lang="ko-KR" altLang="en-US" dirty="0">
+                <a:solidFill>
+                  <a:srgbClr val="7030A0"/>
+                </a:solidFill>
+                <a:latin typeface="나눔스퀘어" panose="020B0600000101010101" pitchFamily="50" charset="-127"/>
+                <a:ea typeface="나눔스퀘어" panose="020B0600000101010101" pitchFamily="50" charset="-127"/>
+              </a:rPr>
+              <a:t>특이사항</a:t>
             </a:r>
             <a:endParaRPr lang="en-US" altLang="ko-KR" dirty="0">
               <a:solidFill>
@@ -18883,7 +18906,7 @@
           <a:prstGeom prst="straightConnector1">
             <a:avLst/>
           </a:prstGeom>
-          <a:ln>
+          <a:ln w="19050">
             <a:tailEnd type="triangle"/>
           </a:ln>
         </p:spPr>
@@ -18961,7 +18984,7 @@
           <a:prstGeom prst="straightConnector1">
             <a:avLst/>
           </a:prstGeom>
-          <a:ln>
+          <a:ln w="19050">
             <a:tailEnd type="triangle"/>
           </a:ln>
         </p:spPr>
@@ -19003,7 +19026,7 @@
           <a:prstGeom prst="straightConnector1">
             <a:avLst/>
           </a:prstGeom>
-          <a:ln>
+          <a:ln w="19050">
             <a:tailEnd type="triangle"/>
           </a:ln>
         </p:spPr>
@@ -19045,7 +19068,7 @@
           <a:prstGeom prst="straightConnector1">
             <a:avLst/>
           </a:prstGeom>
-          <a:ln>
+          <a:ln w="19050">
             <a:tailEnd type="triangle"/>
           </a:ln>
         </p:spPr>
@@ -19087,7 +19110,7 @@
           <a:prstGeom prst="straightConnector1">
             <a:avLst/>
           </a:prstGeom>
-          <a:ln>
+          <a:ln w="19050">
             <a:tailEnd type="triangle"/>
           </a:ln>
         </p:spPr>
@@ -19129,7 +19152,7 @@
           <a:prstGeom prst="straightConnector1">
             <a:avLst/>
           </a:prstGeom>
-          <a:ln>
+          <a:ln w="19050">
             <a:tailEnd type="triangle"/>
           </a:ln>
         </p:spPr>
@@ -19170,7 +19193,7 @@
           <a:prstGeom prst="straightConnector1">
             <a:avLst/>
           </a:prstGeom>
-          <a:ln>
+          <a:ln w="19050">
             <a:tailEnd type="triangle"/>
           </a:ln>
         </p:spPr>
@@ -20085,6 +20108,228 @@
       </p:grpSpPr>
       <p:sp>
         <p:nvSpPr>
+          <p:cNvPr id="2" name="제목 1">
+            <a:extLst>
+              <a:ext uri="{FF2B5EF4-FFF2-40B4-BE49-F238E27FC236}">
+                <a16:creationId xmlns:a16="http://schemas.microsoft.com/office/drawing/2014/main" id="{7B9B611D-2671-4FA1-8E75-E73BF8267DC3}"/>
+              </a:ext>
+            </a:extLst>
+          </p:cNvPr>
+          <p:cNvSpPr>
+            <a:spLocks noGrp="1"/>
+          </p:cNvSpPr>
+          <p:nvPr>
+            <p:ph type="title"/>
+          </p:nvPr>
+        </p:nvSpPr>
+        <p:spPr/>
+        <p:txBody>
+          <a:bodyPr/>
+          <a:lstStyle/>
+          <a:p>
+            <a:r>
+              <a:rPr lang="ko-KR" altLang="en-US" dirty="0">
+                <a:latin typeface="나눔스퀘어" panose="020B0600000101010101" pitchFamily="50" charset="-127"/>
+                <a:ea typeface="나눔스퀘어" panose="020B0600000101010101" pitchFamily="50" charset="-127"/>
+              </a:rPr>
+              <a:t>특이사항</a:t>
+            </a:r>
+          </a:p>
+        </p:txBody>
+      </p:sp>
+      <p:sp>
+        <p:nvSpPr>
+          <p:cNvPr id="3" name="내용 개체 틀 2">
+            <a:extLst>
+              <a:ext uri="{FF2B5EF4-FFF2-40B4-BE49-F238E27FC236}">
+                <a16:creationId xmlns:a16="http://schemas.microsoft.com/office/drawing/2014/main" id="{66AB0D7D-E08A-4980-907B-C98C39518917}"/>
+              </a:ext>
+            </a:extLst>
+          </p:cNvPr>
+          <p:cNvSpPr>
+            <a:spLocks noGrp="1"/>
+          </p:cNvSpPr>
+          <p:nvPr>
+            <p:ph idx="1"/>
+          </p:nvPr>
+        </p:nvSpPr>
+        <p:spPr/>
+        <p:txBody>
+          <a:bodyPr/>
+          <a:lstStyle/>
+          <a:p>
+            <a:pPr>
+              <a:buFontTx/>
+              <a:buChar char="-"/>
+            </a:pPr>
+            <a:r>
+              <a:rPr lang="en-US" altLang="ko-KR" dirty="0" err="1">
+                <a:latin typeface="나눔스퀘어" panose="020B0600000101010101" pitchFamily="50" charset="-127"/>
+                <a:ea typeface="나눔스퀘어" panose="020B0600000101010101" pitchFamily="50" charset="-127"/>
+              </a:rPr>
+              <a:t>epubViewer</a:t>
+            </a:r>
+            <a:r>
+              <a:rPr lang="en-US" altLang="ko-KR" dirty="0">
+                <a:latin typeface="나눔스퀘어" panose="020B0600000101010101" pitchFamily="50" charset="-127"/>
+                <a:ea typeface="나눔스퀘어" panose="020B0600000101010101" pitchFamily="50" charset="-127"/>
+              </a:rPr>
+              <a:t> </a:t>
+            </a:r>
+            <a:r>
+              <a:rPr lang="ko-KR" altLang="en-US" dirty="0">
+                <a:latin typeface="나눔스퀘어" panose="020B0600000101010101" pitchFamily="50" charset="-127"/>
+                <a:ea typeface="나눔스퀘어" panose="020B0600000101010101" pitchFamily="50" charset="-127"/>
+              </a:rPr>
+              <a:t>화면에서 글꼴을 바꾸는 기능을 구현하는게 글자 색을 </a:t>
+            </a:r>
+            <a:r>
+              <a:rPr lang="ko-KR" altLang="en-US" dirty="0" err="1">
+                <a:latin typeface="나눔스퀘어" panose="020B0600000101010101" pitchFamily="50" charset="-127"/>
+                <a:ea typeface="나눔스퀘어" panose="020B0600000101010101" pitchFamily="50" charset="-127"/>
+              </a:rPr>
+              <a:t>바꾸는것만큼</a:t>
+            </a:r>
+            <a:r>
+              <a:rPr lang="ko-KR" altLang="en-US" dirty="0">
+                <a:latin typeface="나눔스퀘어" panose="020B0600000101010101" pitchFamily="50" charset="-127"/>
+                <a:ea typeface="나눔스퀘어" panose="020B0600000101010101" pitchFamily="50" charset="-127"/>
+              </a:rPr>
+              <a:t> 쉽지 않아 어려움을 </a:t>
+            </a:r>
+            <a:r>
+              <a:rPr lang="ko-KR" altLang="en-US" dirty="0" err="1">
+                <a:latin typeface="나눔스퀘어" panose="020B0600000101010101" pitchFamily="50" charset="-127"/>
+                <a:ea typeface="나눔스퀘어" panose="020B0600000101010101" pitchFamily="50" charset="-127"/>
+              </a:rPr>
+              <a:t>겪는중</a:t>
+            </a:r>
+            <a:endParaRPr lang="en-US" altLang="ko-KR" dirty="0">
+              <a:latin typeface="나눔스퀘어" panose="020B0600000101010101" pitchFamily="50" charset="-127"/>
+              <a:ea typeface="나눔스퀘어" panose="020B0600000101010101" pitchFamily="50" charset="-127"/>
+            </a:endParaRPr>
+          </a:p>
+          <a:p>
+            <a:pPr>
+              <a:buFontTx/>
+              <a:buChar char="-"/>
+            </a:pPr>
+            <a:r>
+              <a:rPr lang="en-US" altLang="ko-KR" dirty="0" err="1">
+                <a:latin typeface="나눔스퀘어" panose="020B0600000101010101" pitchFamily="50" charset="-127"/>
+                <a:ea typeface="나눔스퀘어" panose="020B0600000101010101" pitchFamily="50" charset="-127"/>
+              </a:rPr>
+              <a:t>epubViewer</a:t>
+            </a:r>
+            <a:r>
+              <a:rPr lang="ko-KR" altLang="en-US" dirty="0">
+                <a:latin typeface="나눔스퀘어" panose="020B0600000101010101" pitchFamily="50" charset="-127"/>
+                <a:ea typeface="나눔스퀘어" panose="020B0600000101010101" pitchFamily="50" charset="-127"/>
+              </a:rPr>
+              <a:t>를 위해 외부 </a:t>
+            </a:r>
+            <a:r>
+              <a:rPr lang="en-US" altLang="ko-KR" dirty="0" err="1">
+                <a:latin typeface="나눔스퀘어" panose="020B0600000101010101" pitchFamily="50" charset="-127"/>
+                <a:ea typeface="나눔스퀘어" panose="020B0600000101010101" pitchFamily="50" charset="-127"/>
+              </a:rPr>
+              <a:t>epub</a:t>
+            </a:r>
+            <a:r>
+              <a:rPr lang="ko-KR" altLang="en-US" dirty="0">
+                <a:latin typeface="나눔스퀘어" panose="020B0600000101010101" pitchFamily="50" charset="-127"/>
+                <a:ea typeface="나눔스퀘어" panose="020B0600000101010101" pitchFamily="50" charset="-127"/>
+              </a:rPr>
+              <a:t> </a:t>
+            </a:r>
+            <a:r>
+              <a:rPr lang="en-US" altLang="ko-KR" dirty="0">
+                <a:latin typeface="나눔스퀘어" panose="020B0600000101010101" pitchFamily="50" charset="-127"/>
+                <a:ea typeface="나눔스퀘어" panose="020B0600000101010101" pitchFamily="50" charset="-127"/>
+              </a:rPr>
+              <a:t>reader</a:t>
+            </a:r>
+            <a:r>
+              <a:rPr lang="ko-KR" altLang="en-US" dirty="0">
+                <a:latin typeface="나눔스퀘어" panose="020B0600000101010101" pitchFamily="50" charset="-127"/>
+                <a:ea typeface="나눔스퀘어" panose="020B0600000101010101" pitchFamily="50" charset="-127"/>
+              </a:rPr>
+              <a:t> 라이브러리를 적용했지만 책이 </a:t>
+            </a:r>
+            <a:r>
+              <a:rPr lang="ko-KR" altLang="en-US" dirty="0" err="1">
+                <a:latin typeface="나눔스퀘어" panose="020B0600000101010101" pitchFamily="50" charset="-127"/>
+                <a:ea typeface="나눔스퀘어" panose="020B0600000101010101" pitchFamily="50" charset="-127"/>
+              </a:rPr>
+              <a:t>챕터별로</a:t>
+            </a:r>
+            <a:r>
+              <a:rPr lang="ko-KR" altLang="en-US" dirty="0">
+                <a:latin typeface="나눔스퀘어" panose="020B0600000101010101" pitchFamily="50" charset="-127"/>
+                <a:ea typeface="나눔스퀘어" panose="020B0600000101010101" pitchFamily="50" charset="-127"/>
+              </a:rPr>
+              <a:t> 한꺼번에 화면에 불러와져서 스크롤을 내려가며 책을 봐야하는 문제가 생겨 한번에 한 </a:t>
+            </a:r>
+            <a:r>
+              <a:rPr lang="ko-KR" altLang="en-US" dirty="0" err="1">
+                <a:latin typeface="나눔스퀘어" panose="020B0600000101010101" pitchFamily="50" charset="-127"/>
+                <a:ea typeface="나눔스퀘어" panose="020B0600000101010101" pitchFamily="50" charset="-127"/>
+              </a:rPr>
+              <a:t>페이지씩</a:t>
+            </a:r>
+            <a:r>
+              <a:rPr lang="ko-KR" altLang="en-US" dirty="0">
+                <a:latin typeface="나눔스퀘어" panose="020B0600000101010101" pitchFamily="50" charset="-127"/>
+                <a:ea typeface="나눔스퀘어" panose="020B0600000101010101" pitchFamily="50" charset="-127"/>
+              </a:rPr>
+              <a:t> 볼 수 있는 방법을 </a:t>
+            </a:r>
+            <a:r>
+              <a:rPr lang="ko-KR" altLang="en-US" dirty="0" err="1">
+                <a:latin typeface="나눔스퀘어" panose="020B0600000101010101" pitchFamily="50" charset="-127"/>
+                <a:ea typeface="나눔스퀘어" panose="020B0600000101010101" pitchFamily="50" charset="-127"/>
+              </a:rPr>
+              <a:t>찾는중</a:t>
+            </a:r>
+            <a:endParaRPr lang="ko-KR" altLang="en-US" dirty="0">
+              <a:latin typeface="나눔스퀘어" panose="020B0600000101010101" pitchFamily="50" charset="-127"/>
+              <a:ea typeface="나눔스퀘어" panose="020B0600000101010101" pitchFamily="50" charset="-127"/>
+            </a:endParaRPr>
+          </a:p>
+        </p:txBody>
+      </p:sp>
+    </p:spTree>
+    <p:extLst>
+      <p:ext uri="{BB962C8B-B14F-4D97-AF65-F5344CB8AC3E}">
+        <p14:creationId xmlns:p14="http://schemas.microsoft.com/office/powerpoint/2010/main" val="1302813662"/>
+      </p:ext>
+    </p:extLst>
+  </p:cSld>
+  <p:clrMapOvr>
+    <a:masterClrMapping/>
+  </p:clrMapOvr>
+</p:sld>
+</file>
+
+<file path=ppt/slides/slide35.xml><?xml version="1.0" encoding="utf-8"?>
+<p:sld xmlns:a="http://schemas.openxmlformats.org/drawingml/2006/main" xmlns:r="http://schemas.openxmlformats.org/officeDocument/2006/relationships" xmlns:p="http://schemas.openxmlformats.org/presentationml/2006/main">
+  <p:cSld>
+    <p:spTree>
+      <p:nvGrpSpPr>
+        <p:cNvPr id="1" name=""/>
+        <p:cNvGrpSpPr/>
+        <p:nvPr/>
+      </p:nvGrpSpPr>
+      <p:grpSpPr>
+        <a:xfrm>
+          <a:off x="0" y="0"/>
+          <a:ext cx="0" cy="0"/>
+          <a:chOff x="0" y="0"/>
+          <a:chExt cx="0" cy="0"/>
+        </a:xfrm>
+      </p:grpSpPr>
+      <p:sp>
+        <p:nvSpPr>
           <p:cNvPr id="2" name="직사각형 1"/>
           <p:cNvSpPr>
             <a:spLocks/>
@@ -20341,7 +20586,7 @@
 </p:sld>
 </file>
 
-<file path=ppt/slides/slide35.xml><?xml version="1.0" encoding="utf-8"?>
+<file path=ppt/slides/slide36.xml><?xml version="1.0" encoding="utf-8"?>
 <p:sld xmlns:a="http://schemas.openxmlformats.org/drawingml/2006/main" xmlns:r="http://schemas.openxmlformats.org/officeDocument/2006/relationships" xmlns:p="http://schemas.openxmlformats.org/presentationml/2006/main">
   <p:cSld>
     <p:spTree>
